--- a/Class-5/Exceptional  HandLING.pptx
+++ b/Class-5/Exceptional  HandLING.pptx
@@ -6,11 +6,12 @@
   </p:sldMasterIdLst>
   <p:sldIdLst>
     <p:sldId id="257" r:id="rId5"/>
-    <p:sldId id="258" r:id="rId6"/>
-    <p:sldId id="259" r:id="rId7"/>
-    <p:sldId id="260" r:id="rId8"/>
-    <p:sldId id="261" r:id="rId9"/>
-    <p:sldId id="262" r:id="rId10"/>
+    <p:sldId id="263" r:id="rId6"/>
+    <p:sldId id="258" r:id="rId7"/>
+    <p:sldId id="259" r:id="rId8"/>
+    <p:sldId id="260" r:id="rId9"/>
+    <p:sldId id="261" r:id="rId10"/>
+    <p:sldId id="262" r:id="rId11"/>
   </p:sldIdLst>
   <p:sldSz cx="12192000" cy="6858000"/>
   <p:notesSz cx="6858000" cy="9144000"/>
@@ -355,7 +356,7 @@
           <a:p>
             <a:fld id="{ED291B17-9318-49DB-B28B-6E5994AE9581}" type="datetime1">
               <a:rPr lang="en-US" smtClean="0"/>
-              <a:t>10/7/2024</a:t>
+              <a:t>3/12/2025</a:t>
             </a:fld>
             <a:endParaRPr lang="en-US" dirty="0"/>
           </a:p>
@@ -558,7 +559,7 @@
           <a:p>
             <a:fld id="{2CED4963-E985-44C4-B8C4-FDD613B7C2F8}" type="datetime1">
               <a:rPr lang="en-US" smtClean="0"/>
-              <a:t>10/7/2024</a:t>
+              <a:t>3/12/2025</a:t>
             </a:fld>
             <a:endParaRPr lang="en-US" dirty="0"/>
           </a:p>
@@ -920,7 +921,7 @@
           <a:p>
             <a:fld id="{ED291B17-9318-49DB-B28B-6E5994AE9581}" type="datetime1">
               <a:rPr lang="en-US" smtClean="0"/>
-              <a:t>10/7/2024</a:t>
+              <a:t>3/12/2025</a:t>
             </a:fld>
             <a:endParaRPr lang="en-US" dirty="0"/>
           </a:p>
@@ -1118,7 +1119,7 @@
           <a:p>
             <a:fld id="{78DD82B9-B8EE-4375-B6FF-88FA6ABB15D9}" type="datetime1">
               <a:rPr lang="en-US" smtClean="0"/>
-              <a:t>10/7/2024</a:t>
+              <a:t>3/12/2025</a:t>
             </a:fld>
             <a:endParaRPr lang="en-US" dirty="0"/>
           </a:p>
@@ -1430,7 +1431,7 @@
           <a:p>
             <a:fld id="{B2497495-0637-405E-AE64-5CC7506D51F5}" type="datetime1">
               <a:rPr lang="en-US" smtClean="0"/>
-              <a:t>10/7/2024</a:t>
+              <a:t>3/12/2025</a:t>
             </a:fld>
             <a:endParaRPr lang="en-US" dirty="0"/>
           </a:p>
@@ -1683,7 +1684,7 @@
           <a:p>
             <a:fld id="{7BFFD690-9426-415D-8B65-26881E07B2D4}" type="datetime1">
               <a:rPr lang="en-US" smtClean="0"/>
-              <a:t>10/7/2024</a:t>
+              <a:t>3/12/2025</a:t>
             </a:fld>
             <a:endParaRPr lang="en-US" dirty="0"/>
           </a:p>
@@ -2105,7 +2106,7 @@
           <a:p>
             <a:fld id="{04C4989A-474C-40DE-95B9-011C28B71673}" type="datetime1">
               <a:rPr lang="en-US" smtClean="0"/>
-              <a:t>10/7/2024</a:t>
+              <a:t>3/12/2025</a:t>
             </a:fld>
             <a:endParaRPr lang="en-US" dirty="0"/>
           </a:p>
@@ -2228,7 +2229,7 @@
           <a:p>
             <a:fld id="{5DB4ED54-5B5E-4A04-93D3-5772E3CE3818}" type="datetime1">
               <a:rPr lang="en-US" smtClean="0"/>
-              <a:t>10/7/2024</a:t>
+              <a:t>3/12/2025</a:t>
             </a:fld>
             <a:endParaRPr lang="en-US" dirty="0"/>
           </a:p>
@@ -2323,7 +2324,7 @@
           <a:p>
             <a:fld id="{4EDE50D6-574B-40AF-946F-D52A04ADE379}" type="datetime1">
               <a:rPr lang="en-US" smtClean="0"/>
-              <a:t>10/7/2024</a:t>
+              <a:t>3/12/2025</a:t>
             </a:fld>
             <a:endParaRPr lang="en-US" dirty="0"/>
           </a:p>
@@ -2700,7 +2701,7 @@
           <a:p>
             <a:fld id="{D82884F1-FFEA-405F-9602-3DCA865EDA4E}" type="datetime1">
               <a:rPr lang="en-US" smtClean="0"/>
-              <a:t>10/7/2024</a:t>
+              <a:t>3/12/2025</a:t>
             </a:fld>
             <a:endParaRPr lang="en-US" dirty="0"/>
           </a:p>
@@ -2993,7 +2994,7 @@
           <a:p>
             <a:fld id="{7E18DB4A-8810-4A10-AD5C-D5E2C667F5B3}" type="datetime1">
               <a:rPr lang="en-US" smtClean="0"/>
-              <a:t>10/7/2024</a:t>
+              <a:t>3/12/2025</a:t>
             </a:fld>
             <a:endParaRPr lang="en-US" dirty="0"/>
           </a:p>
@@ -3208,7 +3209,7 @@
           <a:p>
             <a:fld id="{ED291B17-9318-49DB-B28B-6E5994AE9581}" type="datetime1">
               <a:rPr lang="en-US" smtClean="0"/>
-              <a:t>10/7/2024</a:t>
+              <a:t>3/12/2025</a:t>
             </a:fld>
             <a:endParaRPr lang="en-US" dirty="0"/>
           </a:p>
@@ -4215,6 +4216,1081 @@
           <p:cNvPr id="2" name="Title 1">
             <a:extLst>
               <a:ext uri="{FF2B5EF4-FFF2-40B4-BE49-F238E27FC236}">
+                <a16:creationId xmlns:a16="http://schemas.microsoft.com/office/drawing/2014/main" id="{1EAF210E-EA86-4FB6-862C-A6D8E1B7DA7F}"/>
+              </a:ext>
+            </a:extLst>
+          </p:cNvPr>
+          <p:cNvSpPr>
+            <a:spLocks noGrp="1"/>
+          </p:cNvSpPr>
+          <p:nvPr>
+            <p:ph type="title"/>
+          </p:nvPr>
+        </p:nvSpPr>
+        <p:spPr/>
+        <p:txBody>
+          <a:bodyPr/>
+          <a:lstStyle/>
+          <a:p>
+            <a:r>
+              <a:rPr lang="en-US" dirty="0" err="1"/>
+              <a:t>Numpy</a:t>
+            </a:r>
+            <a:r>
+              <a:rPr lang="en-US" dirty="0"/>
+              <a:t> </a:t>
+            </a:r>
+            <a:r>
+              <a:rPr lang="en-US" dirty="0" err="1"/>
+              <a:t>ufunctions</a:t>
+            </a:r>
+            <a:r>
+              <a:rPr lang="en-US" dirty="0"/>
+              <a:t> </a:t>
+            </a:r>
+          </a:p>
+        </p:txBody>
+      </p:sp>
+      <p:graphicFrame>
+        <p:nvGraphicFramePr>
+          <p:cNvPr id="4" name="Content Placeholder 3">
+            <a:extLst>
+              <a:ext uri="{FF2B5EF4-FFF2-40B4-BE49-F238E27FC236}">
+                <a16:creationId xmlns:a16="http://schemas.microsoft.com/office/drawing/2014/main" id="{E065F68D-6BE0-4A4E-A690-E50F490AD480}"/>
+              </a:ext>
+            </a:extLst>
+          </p:cNvPr>
+          <p:cNvGraphicFramePr>
+            <a:graphicFrameLocks noGrp="1"/>
+          </p:cNvGraphicFramePr>
+          <p:nvPr>
+            <p:ph idx="1"/>
+          </p:nvPr>
+        </p:nvGraphicFramePr>
+        <p:xfrm>
+          <a:off x="581025" y="2375376"/>
+          <a:ext cx="11029950" cy="3566160"/>
+        </p:xfrm>
+        <a:graphic>
+          <a:graphicData uri="http://schemas.openxmlformats.org/drawingml/2006/table">
+            <a:tbl>
+              <a:tblPr/>
+              <a:tblGrid>
+                <a:gridCol w="3676650">
+                  <a:extLst>
+                    <a:ext uri="{9D8B030D-6E8A-4147-A177-3AD203B41FA5}">
+                      <a16:colId xmlns:a16="http://schemas.microsoft.com/office/drawing/2014/main" val="393939232"/>
+                    </a:ext>
+                  </a:extLst>
+                </a:gridCol>
+                <a:gridCol w="3676650">
+                  <a:extLst>
+                    <a:ext uri="{9D8B030D-6E8A-4147-A177-3AD203B41FA5}">
+                      <a16:colId xmlns:a16="http://schemas.microsoft.com/office/drawing/2014/main" val="1108776501"/>
+                    </a:ext>
+                  </a:extLst>
+                </a:gridCol>
+                <a:gridCol w="3676650">
+                  <a:extLst>
+                    <a:ext uri="{9D8B030D-6E8A-4147-A177-3AD203B41FA5}">
+                      <a16:colId xmlns:a16="http://schemas.microsoft.com/office/drawing/2014/main" val="3147276420"/>
+                    </a:ext>
+                  </a:extLst>
+                </a:gridCol>
+              </a:tblGrid>
+              <a:tr h="0">
+                <a:tc>
+                  <a:txBody>
+                    <a:bodyPr/>
+                    <a:lstStyle/>
+                    <a:p>
+                      <a:pPr algn="l" fontAlgn="ctr"/>
+                      <a:r>
+                        <a:rPr lang="en-US" b="1" i="0">
+                          <a:effectLst/>
+                          <a:latin typeface="Noto serif" panose="020B0604020202020204" pitchFamily="18" charset="0"/>
+                        </a:rPr>
+                        <a:t>Operator</a:t>
+                      </a:r>
+                    </a:p>
+                  </a:txBody>
+                  <a:tcPr anchor="ctr">
+                    <a:lnL>
+                      <a:noFill/>
+                    </a:lnL>
+                    <a:lnR>
+                      <a:noFill/>
+                    </a:lnR>
+                    <a:lnT>
+                      <a:noFill/>
+                    </a:lnT>
+                    <a:lnB>
+                      <a:noFill/>
+                    </a:lnB>
+                    <a:solidFill>
+                      <a:srgbClr val="FFFFFF"/>
+                    </a:solidFill>
+                  </a:tcPr>
+                </a:tc>
+                <a:tc>
+                  <a:txBody>
+                    <a:bodyPr/>
+                    <a:lstStyle/>
+                    <a:p>
+                      <a:pPr algn="l" fontAlgn="ctr"/>
+                      <a:r>
+                        <a:rPr lang="en-US" b="1" i="0">
+                          <a:effectLst/>
+                          <a:latin typeface="Noto serif" panose="020B0604020202020204" pitchFamily="18" charset="0"/>
+                        </a:rPr>
+                        <a:t>Equivalent ufunc</a:t>
+                      </a:r>
+                    </a:p>
+                  </a:txBody>
+                  <a:tcPr anchor="ctr">
+                    <a:lnL>
+                      <a:noFill/>
+                    </a:lnL>
+                    <a:lnR>
+                      <a:noFill/>
+                    </a:lnR>
+                    <a:lnT>
+                      <a:noFill/>
+                    </a:lnT>
+                    <a:lnB>
+                      <a:noFill/>
+                    </a:lnB>
+                    <a:solidFill>
+                      <a:srgbClr val="FFFFFF"/>
+                    </a:solidFill>
+                  </a:tcPr>
+                </a:tc>
+                <a:tc>
+                  <a:txBody>
+                    <a:bodyPr/>
+                    <a:lstStyle/>
+                    <a:p>
+                      <a:pPr algn="l" fontAlgn="ctr"/>
+                      <a:r>
+                        <a:rPr lang="en-US" b="1" i="0">
+                          <a:effectLst/>
+                          <a:latin typeface="Noto serif" panose="020B0604020202020204" pitchFamily="18" charset="0"/>
+                        </a:rPr>
+                        <a:t>Description</a:t>
+                      </a:r>
+                    </a:p>
+                  </a:txBody>
+                  <a:tcPr anchor="ctr">
+                    <a:lnL>
+                      <a:noFill/>
+                    </a:lnL>
+                    <a:lnR>
+                      <a:noFill/>
+                    </a:lnR>
+                    <a:lnT>
+                      <a:noFill/>
+                    </a:lnT>
+                    <a:lnB>
+                      <a:noFill/>
+                    </a:lnB>
+                    <a:solidFill>
+                      <a:srgbClr val="FFFFFF"/>
+                    </a:solidFill>
+                  </a:tcPr>
+                </a:tc>
+                <a:extLst>
+                  <a:ext uri="{0D108BD9-81ED-4DB2-BD59-A6C34878D82A}">
+                    <a16:rowId xmlns:a16="http://schemas.microsoft.com/office/drawing/2014/main" val="1297538900"/>
+                  </a:ext>
+                </a:extLst>
+              </a:tr>
+              <a:tr h="0">
+                <a:tc>
+                  <a:txBody>
+                    <a:bodyPr/>
+                    <a:lstStyle/>
+                    <a:p>
+                      <a:pPr algn="l" fontAlgn="base"/>
+                      <a:r>
+                        <a:rPr lang="en-US" b="0">
+                          <a:effectLst/>
+                          <a:latin typeface="Noto serif" panose="020B0604020202020204" pitchFamily="18" charset="0"/>
+                        </a:rPr>
+                        <a:t>+</a:t>
+                      </a:r>
+                    </a:p>
+                  </a:txBody>
+                  <a:tcPr>
+                    <a:lnL>
+                      <a:noFill/>
+                    </a:lnL>
+                    <a:lnR>
+                      <a:noFill/>
+                    </a:lnR>
+                    <a:lnT>
+                      <a:noFill/>
+                    </a:lnT>
+                    <a:lnB>
+                      <a:noFill/>
+                    </a:lnB>
+                    <a:solidFill>
+                      <a:srgbClr val="FFFFFF"/>
+                    </a:solidFill>
+                  </a:tcPr>
+                </a:tc>
+                <a:tc>
+                  <a:txBody>
+                    <a:bodyPr/>
+                    <a:lstStyle/>
+                    <a:p>
+                      <a:pPr algn="l" fontAlgn="base"/>
+                      <a:r>
+                        <a:rPr lang="en-US" b="0">
+                          <a:effectLst/>
+                          <a:latin typeface="Noto serif" panose="020B0604020202020204" pitchFamily="18" charset="0"/>
+                        </a:rPr>
+                        <a:t>np.add</a:t>
+                      </a:r>
+                    </a:p>
+                  </a:txBody>
+                  <a:tcPr>
+                    <a:lnL>
+                      <a:noFill/>
+                    </a:lnL>
+                    <a:lnR>
+                      <a:noFill/>
+                    </a:lnR>
+                    <a:lnT>
+                      <a:noFill/>
+                    </a:lnT>
+                    <a:lnB>
+                      <a:noFill/>
+                    </a:lnB>
+                    <a:solidFill>
+                      <a:srgbClr val="FFFFFF"/>
+                    </a:solidFill>
+                  </a:tcPr>
+                </a:tc>
+                <a:tc>
+                  <a:txBody>
+                    <a:bodyPr/>
+                    <a:lstStyle/>
+                    <a:p>
+                      <a:pPr algn="l" fontAlgn="base"/>
+                      <a:r>
+                        <a:rPr lang="en-US" b="0">
+                          <a:effectLst/>
+                          <a:latin typeface="Noto serif" panose="020B0604020202020204" pitchFamily="18" charset="0"/>
+                        </a:rPr>
+                        <a:t>Addition (e.g., 1 + 1 = 2)</a:t>
+                      </a:r>
+                    </a:p>
+                  </a:txBody>
+                  <a:tcPr>
+                    <a:lnL>
+                      <a:noFill/>
+                    </a:lnL>
+                    <a:lnR>
+                      <a:noFill/>
+                    </a:lnR>
+                    <a:lnT>
+                      <a:noFill/>
+                    </a:lnT>
+                    <a:lnB>
+                      <a:noFill/>
+                    </a:lnB>
+                    <a:solidFill>
+                      <a:srgbClr val="FFFFFF"/>
+                    </a:solidFill>
+                  </a:tcPr>
+                </a:tc>
+                <a:extLst>
+                  <a:ext uri="{0D108BD9-81ED-4DB2-BD59-A6C34878D82A}">
+                    <a16:rowId xmlns:a16="http://schemas.microsoft.com/office/drawing/2014/main" val="1110972460"/>
+                  </a:ext>
+                </a:extLst>
+              </a:tr>
+              <a:tr h="0">
+                <a:tc>
+                  <a:txBody>
+                    <a:bodyPr/>
+                    <a:lstStyle/>
+                    <a:p>
+                      <a:pPr algn="l" fontAlgn="base"/>
+                      <a:r>
+                        <a:rPr lang="en-US" b="0">
+                          <a:effectLst/>
+                          <a:latin typeface="Noto serif" panose="020B0604020202020204" pitchFamily="18" charset="0"/>
+                        </a:rPr>
+                        <a:t>-</a:t>
+                      </a:r>
+                    </a:p>
+                  </a:txBody>
+                  <a:tcPr>
+                    <a:lnL>
+                      <a:noFill/>
+                    </a:lnL>
+                    <a:lnR>
+                      <a:noFill/>
+                    </a:lnR>
+                    <a:lnT>
+                      <a:noFill/>
+                    </a:lnT>
+                    <a:lnB>
+                      <a:noFill/>
+                    </a:lnB>
+                    <a:solidFill>
+                      <a:srgbClr val="EEF2F6"/>
+                    </a:solidFill>
+                  </a:tcPr>
+                </a:tc>
+                <a:tc>
+                  <a:txBody>
+                    <a:bodyPr/>
+                    <a:lstStyle/>
+                    <a:p>
+                      <a:pPr algn="l" fontAlgn="base"/>
+                      <a:r>
+                        <a:rPr lang="en-US" b="0">
+                          <a:effectLst/>
+                          <a:latin typeface="Noto serif" panose="020B0604020202020204" pitchFamily="18" charset="0"/>
+                        </a:rPr>
+                        <a:t>np.subtract</a:t>
+                      </a:r>
+                    </a:p>
+                  </a:txBody>
+                  <a:tcPr>
+                    <a:lnL>
+                      <a:noFill/>
+                    </a:lnL>
+                    <a:lnR>
+                      <a:noFill/>
+                    </a:lnR>
+                    <a:lnT>
+                      <a:noFill/>
+                    </a:lnT>
+                    <a:lnB>
+                      <a:noFill/>
+                    </a:lnB>
+                    <a:solidFill>
+                      <a:srgbClr val="EEF2F6"/>
+                    </a:solidFill>
+                  </a:tcPr>
+                </a:tc>
+                <a:tc>
+                  <a:txBody>
+                    <a:bodyPr/>
+                    <a:lstStyle/>
+                    <a:p>
+                      <a:pPr algn="l" fontAlgn="base"/>
+                      <a:r>
+                        <a:rPr lang="en-US" b="0">
+                          <a:effectLst/>
+                          <a:latin typeface="Noto serif" panose="020B0604020202020204" pitchFamily="18" charset="0"/>
+                        </a:rPr>
+                        <a:t>Subtraction (e.g., 3 - 2 = 1)</a:t>
+                      </a:r>
+                    </a:p>
+                  </a:txBody>
+                  <a:tcPr>
+                    <a:lnL>
+                      <a:noFill/>
+                    </a:lnL>
+                    <a:lnR>
+                      <a:noFill/>
+                    </a:lnR>
+                    <a:lnT>
+                      <a:noFill/>
+                    </a:lnT>
+                    <a:lnB>
+                      <a:noFill/>
+                    </a:lnB>
+                    <a:solidFill>
+                      <a:srgbClr val="EEF2F6"/>
+                    </a:solidFill>
+                  </a:tcPr>
+                </a:tc>
+                <a:extLst>
+                  <a:ext uri="{0D108BD9-81ED-4DB2-BD59-A6C34878D82A}">
+                    <a16:rowId xmlns:a16="http://schemas.microsoft.com/office/drawing/2014/main" val="3187732345"/>
+                  </a:ext>
+                </a:extLst>
+              </a:tr>
+              <a:tr h="0">
+                <a:tc>
+                  <a:txBody>
+                    <a:bodyPr/>
+                    <a:lstStyle/>
+                    <a:p>
+                      <a:pPr algn="l" fontAlgn="base"/>
+                      <a:r>
+                        <a:rPr lang="en-US" b="0">
+                          <a:effectLst/>
+                          <a:latin typeface="Noto serif" panose="020B0604020202020204" pitchFamily="18" charset="0"/>
+                        </a:rPr>
+                        <a:t>-</a:t>
+                      </a:r>
+                    </a:p>
+                  </a:txBody>
+                  <a:tcPr>
+                    <a:lnL>
+                      <a:noFill/>
+                    </a:lnL>
+                    <a:lnR>
+                      <a:noFill/>
+                    </a:lnR>
+                    <a:lnT>
+                      <a:noFill/>
+                    </a:lnT>
+                    <a:lnB>
+                      <a:noFill/>
+                    </a:lnB>
+                    <a:solidFill>
+                      <a:srgbClr val="FFFFFF"/>
+                    </a:solidFill>
+                  </a:tcPr>
+                </a:tc>
+                <a:tc>
+                  <a:txBody>
+                    <a:bodyPr/>
+                    <a:lstStyle/>
+                    <a:p>
+                      <a:pPr algn="l" fontAlgn="base"/>
+                      <a:r>
+                        <a:rPr lang="en-US" b="0">
+                          <a:effectLst/>
+                          <a:latin typeface="Noto serif" panose="020B0604020202020204" pitchFamily="18" charset="0"/>
+                        </a:rPr>
+                        <a:t>np.negative</a:t>
+                      </a:r>
+                    </a:p>
+                  </a:txBody>
+                  <a:tcPr>
+                    <a:lnL>
+                      <a:noFill/>
+                    </a:lnL>
+                    <a:lnR>
+                      <a:noFill/>
+                    </a:lnR>
+                    <a:lnT>
+                      <a:noFill/>
+                    </a:lnT>
+                    <a:lnB>
+                      <a:noFill/>
+                    </a:lnB>
+                    <a:solidFill>
+                      <a:srgbClr val="FFFFFF"/>
+                    </a:solidFill>
+                  </a:tcPr>
+                </a:tc>
+                <a:tc>
+                  <a:txBody>
+                    <a:bodyPr/>
+                    <a:lstStyle/>
+                    <a:p>
+                      <a:pPr algn="l" fontAlgn="base"/>
+                      <a:r>
+                        <a:rPr lang="en-US" b="0">
+                          <a:effectLst/>
+                          <a:latin typeface="Noto serif" panose="020B0604020202020204" pitchFamily="18" charset="0"/>
+                        </a:rPr>
+                        <a:t>Unary negation (e.g., -2)</a:t>
+                      </a:r>
+                    </a:p>
+                  </a:txBody>
+                  <a:tcPr>
+                    <a:lnL>
+                      <a:noFill/>
+                    </a:lnL>
+                    <a:lnR>
+                      <a:noFill/>
+                    </a:lnR>
+                    <a:lnT>
+                      <a:noFill/>
+                    </a:lnT>
+                    <a:lnB>
+                      <a:noFill/>
+                    </a:lnB>
+                    <a:solidFill>
+                      <a:srgbClr val="FFFFFF"/>
+                    </a:solidFill>
+                  </a:tcPr>
+                </a:tc>
+                <a:extLst>
+                  <a:ext uri="{0D108BD9-81ED-4DB2-BD59-A6C34878D82A}">
+                    <a16:rowId xmlns:a16="http://schemas.microsoft.com/office/drawing/2014/main" val="2270727978"/>
+                  </a:ext>
+                </a:extLst>
+              </a:tr>
+              <a:tr h="0">
+                <a:tc>
+                  <a:txBody>
+                    <a:bodyPr/>
+                    <a:lstStyle/>
+                    <a:p>
+                      <a:pPr algn="l" fontAlgn="base"/>
+                      <a:r>
+                        <a:rPr lang="en-US" b="0">
+                          <a:effectLst/>
+                          <a:latin typeface="Noto serif" panose="020B0604020202020204" pitchFamily="18" charset="0"/>
+                        </a:rPr>
+                        <a:t>*</a:t>
+                      </a:r>
+                    </a:p>
+                  </a:txBody>
+                  <a:tcPr>
+                    <a:lnL>
+                      <a:noFill/>
+                    </a:lnL>
+                    <a:lnR>
+                      <a:noFill/>
+                    </a:lnR>
+                    <a:lnT>
+                      <a:noFill/>
+                    </a:lnT>
+                    <a:lnB>
+                      <a:noFill/>
+                    </a:lnB>
+                    <a:solidFill>
+                      <a:srgbClr val="EEF2F6"/>
+                    </a:solidFill>
+                  </a:tcPr>
+                </a:tc>
+                <a:tc>
+                  <a:txBody>
+                    <a:bodyPr/>
+                    <a:lstStyle/>
+                    <a:p>
+                      <a:pPr algn="l" fontAlgn="base"/>
+                      <a:r>
+                        <a:rPr lang="en-US" b="0">
+                          <a:effectLst/>
+                          <a:latin typeface="Noto serif" panose="020B0604020202020204" pitchFamily="18" charset="0"/>
+                        </a:rPr>
+                        <a:t>np.multiply</a:t>
+                      </a:r>
+                    </a:p>
+                  </a:txBody>
+                  <a:tcPr>
+                    <a:lnL>
+                      <a:noFill/>
+                    </a:lnL>
+                    <a:lnR>
+                      <a:noFill/>
+                    </a:lnR>
+                    <a:lnT>
+                      <a:noFill/>
+                    </a:lnT>
+                    <a:lnB>
+                      <a:noFill/>
+                    </a:lnB>
+                    <a:solidFill>
+                      <a:srgbClr val="EEF2F6"/>
+                    </a:solidFill>
+                  </a:tcPr>
+                </a:tc>
+                <a:tc>
+                  <a:txBody>
+                    <a:bodyPr/>
+                    <a:lstStyle/>
+                    <a:p>
+                      <a:pPr algn="l" fontAlgn="base"/>
+                      <a:r>
+                        <a:rPr lang="fr-FR" b="0">
+                          <a:effectLst/>
+                          <a:latin typeface="Noto serif" panose="020B0604020202020204" pitchFamily="18" charset="0"/>
+                        </a:rPr>
+                        <a:t>Multiplication (e.g., 2 * 3 = 6)</a:t>
+                      </a:r>
+                    </a:p>
+                  </a:txBody>
+                  <a:tcPr>
+                    <a:lnL>
+                      <a:noFill/>
+                    </a:lnL>
+                    <a:lnR>
+                      <a:noFill/>
+                    </a:lnR>
+                    <a:lnT>
+                      <a:noFill/>
+                    </a:lnT>
+                    <a:lnB>
+                      <a:noFill/>
+                    </a:lnB>
+                    <a:solidFill>
+                      <a:srgbClr val="EEF2F6"/>
+                    </a:solidFill>
+                  </a:tcPr>
+                </a:tc>
+                <a:extLst>
+                  <a:ext uri="{0D108BD9-81ED-4DB2-BD59-A6C34878D82A}">
+                    <a16:rowId xmlns:a16="http://schemas.microsoft.com/office/drawing/2014/main" val="980269363"/>
+                  </a:ext>
+                </a:extLst>
+              </a:tr>
+              <a:tr h="0">
+                <a:tc>
+                  <a:txBody>
+                    <a:bodyPr/>
+                    <a:lstStyle/>
+                    <a:p>
+                      <a:pPr algn="l" fontAlgn="base"/>
+                      <a:r>
+                        <a:rPr lang="en-US" b="0">
+                          <a:effectLst/>
+                          <a:latin typeface="Noto serif" panose="020B0604020202020204" pitchFamily="18" charset="0"/>
+                        </a:rPr>
+                        <a:t>/</a:t>
+                      </a:r>
+                    </a:p>
+                  </a:txBody>
+                  <a:tcPr>
+                    <a:lnL>
+                      <a:noFill/>
+                    </a:lnL>
+                    <a:lnR>
+                      <a:noFill/>
+                    </a:lnR>
+                    <a:lnT>
+                      <a:noFill/>
+                    </a:lnT>
+                    <a:lnB>
+                      <a:noFill/>
+                    </a:lnB>
+                    <a:solidFill>
+                      <a:srgbClr val="FFFFFF"/>
+                    </a:solidFill>
+                  </a:tcPr>
+                </a:tc>
+                <a:tc>
+                  <a:txBody>
+                    <a:bodyPr/>
+                    <a:lstStyle/>
+                    <a:p>
+                      <a:pPr algn="l" fontAlgn="base"/>
+                      <a:r>
+                        <a:rPr lang="en-US" b="0">
+                          <a:effectLst/>
+                          <a:latin typeface="Noto serif" panose="020B0604020202020204" pitchFamily="18" charset="0"/>
+                        </a:rPr>
+                        <a:t>np.divide</a:t>
+                      </a:r>
+                    </a:p>
+                  </a:txBody>
+                  <a:tcPr>
+                    <a:lnL>
+                      <a:noFill/>
+                    </a:lnL>
+                    <a:lnR>
+                      <a:noFill/>
+                    </a:lnR>
+                    <a:lnT>
+                      <a:noFill/>
+                    </a:lnT>
+                    <a:lnB>
+                      <a:noFill/>
+                    </a:lnB>
+                    <a:solidFill>
+                      <a:srgbClr val="FFFFFF"/>
+                    </a:solidFill>
+                  </a:tcPr>
+                </a:tc>
+                <a:tc>
+                  <a:txBody>
+                    <a:bodyPr/>
+                    <a:lstStyle/>
+                    <a:p>
+                      <a:pPr algn="l" fontAlgn="base"/>
+                      <a:r>
+                        <a:rPr lang="fr-FR" b="0">
+                          <a:effectLst/>
+                          <a:latin typeface="Noto serif" panose="020B0604020202020204" pitchFamily="18" charset="0"/>
+                        </a:rPr>
+                        <a:t>Division (e.g., 3 / 2 = 1.5)</a:t>
+                      </a:r>
+                    </a:p>
+                  </a:txBody>
+                  <a:tcPr>
+                    <a:lnL>
+                      <a:noFill/>
+                    </a:lnL>
+                    <a:lnR>
+                      <a:noFill/>
+                    </a:lnR>
+                    <a:lnT>
+                      <a:noFill/>
+                    </a:lnT>
+                    <a:lnB>
+                      <a:noFill/>
+                    </a:lnB>
+                    <a:solidFill>
+                      <a:srgbClr val="FFFFFF"/>
+                    </a:solidFill>
+                  </a:tcPr>
+                </a:tc>
+                <a:extLst>
+                  <a:ext uri="{0D108BD9-81ED-4DB2-BD59-A6C34878D82A}">
+                    <a16:rowId xmlns:a16="http://schemas.microsoft.com/office/drawing/2014/main" val="1548168840"/>
+                  </a:ext>
+                </a:extLst>
+              </a:tr>
+              <a:tr h="0">
+                <a:tc>
+                  <a:txBody>
+                    <a:bodyPr/>
+                    <a:lstStyle/>
+                    <a:p>
+                      <a:pPr algn="l" fontAlgn="base"/>
+                      <a:r>
+                        <a:rPr lang="en-US" b="0">
+                          <a:effectLst/>
+                          <a:latin typeface="Noto serif" panose="020B0604020202020204" pitchFamily="18" charset="0"/>
+                        </a:rPr>
+                        <a:t>//</a:t>
+                      </a:r>
+                    </a:p>
+                  </a:txBody>
+                  <a:tcPr>
+                    <a:lnL>
+                      <a:noFill/>
+                    </a:lnL>
+                    <a:lnR>
+                      <a:noFill/>
+                    </a:lnR>
+                    <a:lnT>
+                      <a:noFill/>
+                    </a:lnT>
+                    <a:lnB>
+                      <a:noFill/>
+                    </a:lnB>
+                    <a:solidFill>
+                      <a:srgbClr val="EEF2F6"/>
+                    </a:solidFill>
+                  </a:tcPr>
+                </a:tc>
+                <a:tc>
+                  <a:txBody>
+                    <a:bodyPr/>
+                    <a:lstStyle/>
+                    <a:p>
+                      <a:pPr algn="l" fontAlgn="base"/>
+                      <a:r>
+                        <a:rPr lang="en-US" b="0">
+                          <a:effectLst/>
+                          <a:latin typeface="Noto serif" panose="020B0604020202020204" pitchFamily="18" charset="0"/>
+                        </a:rPr>
+                        <a:t>np.floor_divide</a:t>
+                      </a:r>
+                    </a:p>
+                  </a:txBody>
+                  <a:tcPr>
+                    <a:lnL>
+                      <a:noFill/>
+                    </a:lnL>
+                    <a:lnR>
+                      <a:noFill/>
+                    </a:lnR>
+                    <a:lnT>
+                      <a:noFill/>
+                    </a:lnT>
+                    <a:lnB>
+                      <a:noFill/>
+                    </a:lnB>
+                    <a:solidFill>
+                      <a:srgbClr val="EEF2F6"/>
+                    </a:solidFill>
+                  </a:tcPr>
+                </a:tc>
+                <a:tc>
+                  <a:txBody>
+                    <a:bodyPr/>
+                    <a:lstStyle/>
+                    <a:p>
+                      <a:pPr algn="l" fontAlgn="base"/>
+                      <a:r>
+                        <a:rPr lang="en-US" b="0">
+                          <a:effectLst/>
+                          <a:latin typeface="Noto serif" panose="020B0604020202020204" pitchFamily="18" charset="0"/>
+                        </a:rPr>
+                        <a:t>Floor division (e.g., 3 // 2 = 1)</a:t>
+                      </a:r>
+                    </a:p>
+                  </a:txBody>
+                  <a:tcPr>
+                    <a:lnL>
+                      <a:noFill/>
+                    </a:lnL>
+                    <a:lnR>
+                      <a:noFill/>
+                    </a:lnR>
+                    <a:lnT>
+                      <a:noFill/>
+                    </a:lnT>
+                    <a:lnB>
+                      <a:noFill/>
+                    </a:lnB>
+                    <a:solidFill>
+                      <a:srgbClr val="EEF2F6"/>
+                    </a:solidFill>
+                  </a:tcPr>
+                </a:tc>
+                <a:extLst>
+                  <a:ext uri="{0D108BD9-81ED-4DB2-BD59-A6C34878D82A}">
+                    <a16:rowId xmlns:a16="http://schemas.microsoft.com/office/drawing/2014/main" val="590972609"/>
+                  </a:ext>
+                </a:extLst>
+              </a:tr>
+              <a:tr h="0">
+                <a:tc>
+                  <a:txBody>
+                    <a:bodyPr/>
+                    <a:lstStyle/>
+                    <a:p>
+                      <a:pPr algn="l" fontAlgn="base"/>
+                      <a:r>
+                        <a:rPr lang="en-US" b="0">
+                          <a:effectLst/>
+                          <a:latin typeface="Noto serif" panose="020B0604020202020204" pitchFamily="18" charset="0"/>
+                        </a:rPr>
+                        <a:t>**</a:t>
+                      </a:r>
+                    </a:p>
+                  </a:txBody>
+                  <a:tcPr>
+                    <a:lnL>
+                      <a:noFill/>
+                    </a:lnL>
+                    <a:lnR>
+                      <a:noFill/>
+                    </a:lnR>
+                    <a:lnT>
+                      <a:noFill/>
+                    </a:lnT>
+                    <a:lnB>
+                      <a:noFill/>
+                    </a:lnB>
+                    <a:solidFill>
+                      <a:srgbClr val="FFFFFF"/>
+                    </a:solidFill>
+                  </a:tcPr>
+                </a:tc>
+                <a:tc>
+                  <a:txBody>
+                    <a:bodyPr/>
+                    <a:lstStyle/>
+                    <a:p>
+                      <a:pPr algn="l" fontAlgn="base"/>
+                      <a:r>
+                        <a:rPr lang="en-US" b="0">
+                          <a:effectLst/>
+                          <a:latin typeface="Noto serif" panose="020B0604020202020204" pitchFamily="18" charset="0"/>
+                        </a:rPr>
+                        <a:t>np.power</a:t>
+                      </a:r>
+                    </a:p>
+                  </a:txBody>
+                  <a:tcPr>
+                    <a:lnL>
+                      <a:noFill/>
+                    </a:lnL>
+                    <a:lnR>
+                      <a:noFill/>
+                    </a:lnR>
+                    <a:lnT>
+                      <a:noFill/>
+                    </a:lnT>
+                    <a:lnB>
+                      <a:noFill/>
+                    </a:lnB>
+                    <a:solidFill>
+                      <a:srgbClr val="FFFFFF"/>
+                    </a:solidFill>
+                  </a:tcPr>
+                </a:tc>
+                <a:tc>
+                  <a:txBody>
+                    <a:bodyPr/>
+                    <a:lstStyle/>
+                    <a:p>
+                      <a:pPr algn="l" fontAlgn="base"/>
+                      <a:r>
+                        <a:rPr lang="en-US" b="0">
+                          <a:effectLst/>
+                          <a:latin typeface="Noto serif" panose="020B0604020202020204" pitchFamily="18" charset="0"/>
+                        </a:rPr>
+                        <a:t>Exponentiation (e.g., 2 ** 3 = 8)</a:t>
+                      </a:r>
+                    </a:p>
+                  </a:txBody>
+                  <a:tcPr>
+                    <a:lnL>
+                      <a:noFill/>
+                    </a:lnL>
+                    <a:lnR>
+                      <a:noFill/>
+                    </a:lnR>
+                    <a:lnT>
+                      <a:noFill/>
+                    </a:lnT>
+                    <a:lnB>
+                      <a:noFill/>
+                    </a:lnB>
+                    <a:solidFill>
+                      <a:srgbClr val="FFFFFF"/>
+                    </a:solidFill>
+                  </a:tcPr>
+                </a:tc>
+                <a:extLst>
+                  <a:ext uri="{0D108BD9-81ED-4DB2-BD59-A6C34878D82A}">
+                    <a16:rowId xmlns:a16="http://schemas.microsoft.com/office/drawing/2014/main" val="3641494118"/>
+                  </a:ext>
+                </a:extLst>
+              </a:tr>
+              <a:tr h="0">
+                <a:tc>
+                  <a:txBody>
+                    <a:bodyPr/>
+                    <a:lstStyle/>
+                    <a:p>
+                      <a:pPr algn="l" fontAlgn="base"/>
+                      <a:r>
+                        <a:rPr lang="en-US" b="0">
+                          <a:effectLst/>
+                          <a:latin typeface="Noto serif" panose="020B0604020202020204" pitchFamily="18" charset="0"/>
+                        </a:rPr>
+                        <a:t>%</a:t>
+                      </a:r>
+                    </a:p>
+                  </a:txBody>
+                  <a:tcPr>
+                    <a:lnL>
+                      <a:noFill/>
+                    </a:lnL>
+                    <a:lnR>
+                      <a:noFill/>
+                    </a:lnR>
+                    <a:lnT>
+                      <a:noFill/>
+                    </a:lnT>
+                    <a:lnB>
+                      <a:noFill/>
+                    </a:lnB>
+                    <a:solidFill>
+                      <a:srgbClr val="EEF2F6"/>
+                    </a:solidFill>
+                  </a:tcPr>
+                </a:tc>
+                <a:tc>
+                  <a:txBody>
+                    <a:bodyPr/>
+                    <a:lstStyle/>
+                    <a:p>
+                      <a:pPr algn="l" fontAlgn="base"/>
+                      <a:r>
+                        <a:rPr lang="en-US" b="0">
+                          <a:effectLst/>
+                          <a:latin typeface="Noto serif" panose="020B0604020202020204" pitchFamily="18" charset="0"/>
+                        </a:rPr>
+                        <a:t>np.mod</a:t>
+                      </a:r>
+                    </a:p>
+                  </a:txBody>
+                  <a:tcPr>
+                    <a:lnL>
+                      <a:noFill/>
+                    </a:lnL>
+                    <a:lnR>
+                      <a:noFill/>
+                    </a:lnR>
+                    <a:lnT>
+                      <a:noFill/>
+                    </a:lnT>
+                    <a:lnB>
+                      <a:noFill/>
+                    </a:lnB>
+                    <a:solidFill>
+                      <a:srgbClr val="EEF2F6"/>
+                    </a:solidFill>
+                  </a:tcPr>
+                </a:tc>
+                <a:tc>
+                  <a:txBody>
+                    <a:bodyPr/>
+                    <a:lstStyle/>
+                    <a:p>
+                      <a:pPr algn="l" fontAlgn="base"/>
+                      <a:r>
+                        <a:rPr lang="en-US" b="0" dirty="0">
+                          <a:effectLst/>
+                          <a:latin typeface="Noto serif" panose="020B0604020202020204" pitchFamily="18" charset="0"/>
+                        </a:rPr>
+                        <a:t>Modulus/remainder (e.g., 9 % 4 = 1)</a:t>
+                      </a:r>
+                    </a:p>
+                  </a:txBody>
+                  <a:tcPr>
+                    <a:lnL>
+                      <a:noFill/>
+                    </a:lnL>
+                    <a:lnR>
+                      <a:noFill/>
+                    </a:lnR>
+                    <a:lnT>
+                      <a:noFill/>
+                    </a:lnT>
+                    <a:lnB>
+                      <a:noFill/>
+                    </a:lnB>
+                    <a:solidFill>
+                      <a:srgbClr val="EEF2F6"/>
+                    </a:solidFill>
+                  </a:tcPr>
+                </a:tc>
+                <a:extLst>
+                  <a:ext uri="{0D108BD9-81ED-4DB2-BD59-A6C34878D82A}">
+                    <a16:rowId xmlns:a16="http://schemas.microsoft.com/office/drawing/2014/main" val="1239149652"/>
+                  </a:ext>
+                </a:extLst>
+              </a:tr>
+            </a:tbl>
+          </a:graphicData>
+        </a:graphic>
+      </p:graphicFrame>
+    </p:spTree>
+    <p:extLst>
+      <p:ext uri="{BB962C8B-B14F-4D97-AF65-F5344CB8AC3E}">
+        <p14:creationId xmlns:p14="http://schemas.microsoft.com/office/powerpoint/2010/main" val="4239396175"/>
+      </p:ext>
+    </p:extLst>
+  </p:cSld>
+  <p:clrMapOvr>
+    <a:masterClrMapping/>
+  </p:clrMapOvr>
+</p:sld>
+</file>
+
+<file path=ppt/slides/slide3.xml><?xml version="1.0" encoding="utf-8"?>
+<p:sld xmlns:a="http://schemas.openxmlformats.org/drawingml/2006/main" xmlns:r="http://schemas.openxmlformats.org/officeDocument/2006/relationships" xmlns:p="http://schemas.openxmlformats.org/presentationml/2006/main">
+  <p:cSld>
+    <p:spTree>
+      <p:nvGrpSpPr>
+        <p:cNvPr id="1" name=""/>
+        <p:cNvGrpSpPr/>
+        <p:nvPr/>
+      </p:nvGrpSpPr>
+      <p:grpSpPr>
+        <a:xfrm>
+          <a:off x="0" y="0"/>
+          <a:ext cx="0" cy="0"/>
+          <a:chOff x="0" y="0"/>
+          <a:chExt cx="0" cy="0"/>
+        </a:xfrm>
+      </p:grpSpPr>
+      <p:sp>
+        <p:nvSpPr>
+          <p:cNvPr id="2" name="Title 1">
+            <a:extLst>
+              <a:ext uri="{FF2B5EF4-FFF2-40B4-BE49-F238E27FC236}">
                 <a16:creationId xmlns:a16="http://schemas.microsoft.com/office/drawing/2014/main" id="{ABB56579-3085-45D2-A44F-6047F7C2ED37}"/>
               </a:ext>
             </a:extLst>
@@ -4294,7 +5370,7 @@
 </p:sld>
 </file>
 
-<file path=ppt/slides/slide3.xml><?xml version="1.0" encoding="utf-8"?>
+<file path=ppt/slides/slide4.xml><?xml version="1.0" encoding="utf-8"?>
 <p:sld xmlns:a="http://schemas.openxmlformats.org/drawingml/2006/main" xmlns:r="http://schemas.openxmlformats.org/officeDocument/2006/relationships" xmlns:p="http://schemas.openxmlformats.org/presentationml/2006/main">
   <p:cSld>
     <p:spTree>
@@ -4673,7 +5749,7 @@
 </p:sld>
 </file>
 
-<file path=ppt/slides/slide4.xml><?xml version="1.0" encoding="utf-8"?>
+<file path=ppt/slides/slide5.xml><?xml version="1.0" encoding="utf-8"?>
 <p:sld xmlns:a="http://schemas.openxmlformats.org/drawingml/2006/main" xmlns:r="http://schemas.openxmlformats.org/officeDocument/2006/relationships" xmlns:p="http://schemas.openxmlformats.org/presentationml/2006/main">
   <p:cSld>
     <p:spTree>
@@ -5047,7 +6123,7 @@
 </p:sld>
 </file>
 
-<file path=ppt/slides/slide5.xml><?xml version="1.0" encoding="utf-8"?>
+<file path=ppt/slides/slide6.xml><?xml version="1.0" encoding="utf-8"?>
 <p:sld xmlns:a="http://schemas.openxmlformats.org/drawingml/2006/main" xmlns:r="http://schemas.openxmlformats.org/officeDocument/2006/relationships" xmlns:p="http://schemas.openxmlformats.org/presentationml/2006/main">
   <p:cSld>
     <p:spTree>
@@ -5136,7 +6212,7 @@
 </p:sld>
 </file>
 
-<file path=ppt/slides/slide6.xml><?xml version="1.0" encoding="utf-8"?>
+<file path=ppt/slides/slide7.xml><?xml version="1.0" encoding="utf-8"?>
 <p:sld xmlns:a="http://schemas.openxmlformats.org/drawingml/2006/main" xmlns:r="http://schemas.openxmlformats.org/officeDocument/2006/relationships" xmlns:p="http://schemas.openxmlformats.org/presentationml/2006/main">
   <p:cSld>
     <p:spTree>
@@ -5563,21 +6639,21 @@
 </file>
 
 <file path=customXml/item1.xml><?xml version="1.0" encoding="utf-8"?>
+<?mso-contentType ?>
+<FormTemplates xmlns="http://schemas.microsoft.com/sharepoint/v3/contenttype/forms">
+  <Display>DocumentLibraryForm</Display>
+  <Edit>DocumentLibraryForm</Edit>
+  <New>DocumentLibraryForm</New>
+</FormTemplates>
+</file>
+
+<file path=customXml/item2.xml><?xml version="1.0" encoding="utf-8"?>
 <p:properties xmlns:p="http://schemas.microsoft.com/office/2006/metadata/properties" xmlns:xsi="http://www.w3.org/2001/XMLSchema-instance" xmlns:pc="http://schemas.microsoft.com/office/infopath/2007/PartnerControls">
   <documentManagement>
     <Status xmlns="71af3243-3dd4-4a8d-8c0d-dd76da1f02a5">Not started</Status>
     <MediaServiceKeyPoints xmlns="71af3243-3dd4-4a8d-8c0d-dd76da1f02a5" xsi:nil="true"/>
   </documentManagement>
 </p:properties>
-</file>
-
-<file path=customXml/item2.xml><?xml version="1.0" encoding="utf-8"?>
-<?mso-contentType ?>
-<FormTemplates xmlns="http://schemas.microsoft.com/sharepoint/v3/contenttype/forms">
-  <Display>DocumentLibraryForm</Display>
-  <Edit>DocumentLibraryForm</Edit>
-  <New>DocumentLibraryForm</New>
-</FormTemplates>
 </file>
 
 <file path=customXml/item3.xml><?xml version="1.0" encoding="utf-8"?>
@@ -5802,19 +6878,19 @@
 </file>
 
 <file path=customXml/itemProps1.xml><?xml version="1.0" encoding="utf-8"?>
+<ds:datastoreItem xmlns:ds="http://schemas.openxmlformats.org/officeDocument/2006/customXml" ds:itemID="{927BD4C1-B6B1-4715-ABF9-E660A51A4EA0}">
+  <ds:schemaRefs>
+    <ds:schemaRef ds:uri="http://schemas.microsoft.com/sharepoint/v3/contenttype/forms"/>
+  </ds:schemaRefs>
+</ds:datastoreItem>
+</file>
+
+<file path=customXml/itemProps2.xml><?xml version="1.0" encoding="utf-8"?>
 <ds:datastoreItem xmlns:ds="http://schemas.openxmlformats.org/officeDocument/2006/customXml" ds:itemID="{8D289AE2-D2AE-49D1-AFAC-3A79F6794255}">
   <ds:schemaRefs>
     <ds:schemaRef ds:uri="http://schemas.microsoft.com/office/2006/metadata/properties"/>
     <ds:schemaRef ds:uri="http://schemas.microsoft.com/office/infopath/2007/PartnerControls"/>
     <ds:schemaRef ds:uri="71af3243-3dd4-4a8d-8c0d-dd76da1f02a5"/>
-  </ds:schemaRefs>
-</ds:datastoreItem>
-</file>
-
-<file path=customXml/itemProps2.xml><?xml version="1.0" encoding="utf-8"?>
-<ds:datastoreItem xmlns:ds="http://schemas.openxmlformats.org/officeDocument/2006/customXml" ds:itemID="{927BD4C1-B6B1-4715-ABF9-E660A51A4EA0}">
-  <ds:schemaRefs>
-    <ds:schemaRef ds:uri="http://schemas.microsoft.com/sharepoint/v3/contenttype/forms"/>
   </ds:schemaRefs>
 </ds:datastoreItem>
 </file>
